--- a/prisma_roses_reporting/prisma_diagram2.pptx
+++ b/prisma_roses_reporting/prisma_diagram2.pptx
@@ -243,7 +243,7 @@
           <a:p>
             <a:fld id="{9FDD15EA-E5B9-4637-B9FA-CB5CCD32B535}" type="datetimeFigureOut">
               <a:rPr lang="en-US" smtClean="0"/>
-              <a:t>10/24/2025</a:t>
+              <a:t>10/27/2025</a:t>
             </a:fld>
             <a:endParaRPr lang="en-US"/>
           </a:p>
@@ -413,7 +413,7 @@
           <a:p>
             <a:fld id="{9FDD15EA-E5B9-4637-B9FA-CB5CCD32B535}" type="datetimeFigureOut">
               <a:rPr lang="en-US" smtClean="0"/>
-              <a:t>10/24/2025</a:t>
+              <a:t>10/27/2025</a:t>
             </a:fld>
             <a:endParaRPr lang="en-US"/>
           </a:p>
@@ -593,7 +593,7 @@
           <a:p>
             <a:fld id="{9FDD15EA-E5B9-4637-B9FA-CB5CCD32B535}" type="datetimeFigureOut">
               <a:rPr lang="en-US" smtClean="0"/>
-              <a:t>10/24/2025</a:t>
+              <a:t>10/27/2025</a:t>
             </a:fld>
             <a:endParaRPr lang="en-US"/>
           </a:p>
@@ -763,7 +763,7 @@
           <a:p>
             <a:fld id="{9FDD15EA-E5B9-4637-B9FA-CB5CCD32B535}" type="datetimeFigureOut">
               <a:rPr lang="en-US" smtClean="0"/>
-              <a:t>10/24/2025</a:t>
+              <a:t>10/27/2025</a:t>
             </a:fld>
             <a:endParaRPr lang="en-US"/>
           </a:p>
@@ -1007,7 +1007,7 @@
           <a:p>
             <a:fld id="{9FDD15EA-E5B9-4637-B9FA-CB5CCD32B535}" type="datetimeFigureOut">
               <a:rPr lang="en-US" smtClean="0"/>
-              <a:t>10/24/2025</a:t>
+              <a:t>10/27/2025</a:t>
             </a:fld>
             <a:endParaRPr lang="en-US"/>
           </a:p>
@@ -1239,7 +1239,7 @@
           <a:p>
             <a:fld id="{9FDD15EA-E5B9-4637-B9FA-CB5CCD32B535}" type="datetimeFigureOut">
               <a:rPr lang="en-US" smtClean="0"/>
-              <a:t>10/24/2025</a:t>
+              <a:t>10/27/2025</a:t>
             </a:fld>
             <a:endParaRPr lang="en-US"/>
           </a:p>
@@ -1606,7 +1606,7 @@
           <a:p>
             <a:fld id="{9FDD15EA-E5B9-4637-B9FA-CB5CCD32B535}" type="datetimeFigureOut">
               <a:rPr lang="en-US" smtClean="0"/>
-              <a:t>10/24/2025</a:t>
+              <a:t>10/27/2025</a:t>
             </a:fld>
             <a:endParaRPr lang="en-US"/>
           </a:p>
@@ -1724,7 +1724,7 @@
           <a:p>
             <a:fld id="{9FDD15EA-E5B9-4637-B9FA-CB5CCD32B535}" type="datetimeFigureOut">
               <a:rPr lang="en-US" smtClean="0"/>
-              <a:t>10/24/2025</a:t>
+              <a:t>10/27/2025</a:t>
             </a:fld>
             <a:endParaRPr lang="en-US"/>
           </a:p>
@@ -1819,7 +1819,7 @@
           <a:p>
             <a:fld id="{9FDD15EA-E5B9-4637-B9FA-CB5CCD32B535}" type="datetimeFigureOut">
               <a:rPr lang="en-US" smtClean="0"/>
-              <a:t>10/24/2025</a:t>
+              <a:t>10/27/2025</a:t>
             </a:fld>
             <a:endParaRPr lang="en-US"/>
           </a:p>
@@ -2096,7 +2096,7 @@
           <a:p>
             <a:fld id="{9FDD15EA-E5B9-4637-B9FA-CB5CCD32B535}" type="datetimeFigureOut">
               <a:rPr lang="en-US" smtClean="0"/>
-              <a:t>10/24/2025</a:t>
+              <a:t>10/27/2025</a:t>
             </a:fld>
             <a:endParaRPr lang="en-US"/>
           </a:p>
@@ -2353,7 +2353,7 @@
           <a:p>
             <a:fld id="{9FDD15EA-E5B9-4637-B9FA-CB5CCD32B535}" type="datetimeFigureOut">
               <a:rPr lang="en-US" smtClean="0"/>
-              <a:t>10/24/2025</a:t>
+              <a:t>10/27/2025</a:t>
             </a:fld>
             <a:endParaRPr lang="en-US"/>
           </a:p>
@@ -2566,7 +2566,7 @@
           <a:p>
             <a:fld id="{9FDD15EA-E5B9-4637-B9FA-CB5CCD32B535}" type="datetimeFigureOut">
               <a:rPr lang="en-US" smtClean="0"/>
-              <a:t>10/24/2025</a:t>
+              <a:t>10/27/2025</a:t>
             </a:fld>
             <a:endParaRPr lang="en-US"/>
           </a:p>
@@ -3074,13 +3074,6 @@
               </a:rPr>
               <a:t>Identification of new studies via databases and registers</a:t>
             </a:r>
-            <a:endParaRPr lang="en-US" sz="3600" b="1" dirty="0">
-              <a:solidFill>
-                <a:schemeClr val="tx1"/>
-              </a:solidFill>
-              <a:latin typeface="Arial" panose="020B0604020202020204" pitchFamily="34" charset="0"/>
-              <a:cs typeface="Arial" panose="020B0604020202020204" pitchFamily="34" charset="0"/>
-            </a:endParaRPr>
           </a:p>
         </p:txBody>
       </p:sp>
@@ -3139,13 +3132,6 @@
               </a:rPr>
               <a:t>Identification</a:t>
             </a:r>
-            <a:endParaRPr lang="en-US" sz="3600" b="1" dirty="0">
-              <a:solidFill>
-                <a:schemeClr val="tx1"/>
-              </a:solidFill>
-              <a:latin typeface="Arial" panose="020B0604020202020204" pitchFamily="34" charset="0"/>
-              <a:cs typeface="Arial" panose="020B0604020202020204" pitchFamily="34" charset="0"/>
-            </a:endParaRPr>
           </a:p>
         </p:txBody>
       </p:sp>
@@ -3440,13 +3426,6 @@
               </a:rPr>
               <a:t>Screening</a:t>
             </a:r>
-            <a:endParaRPr lang="en-US" sz="3600" b="1" dirty="0">
-              <a:solidFill>
-                <a:schemeClr val="tx1"/>
-              </a:solidFill>
-              <a:latin typeface="Arial" panose="020B0604020202020204" pitchFamily="34" charset="0"/>
-              <a:cs typeface="Arial" panose="020B0604020202020204" pitchFamily="34" charset="0"/>
-            </a:endParaRPr>
           </a:p>
         </p:txBody>
       </p:sp>
@@ -3710,7 +3689,7 @@
         <p:spPr>
           <a:xfrm>
             <a:off x="5852160" y="11704316"/>
-            <a:ext cx="5120636" cy="3291840"/>
+            <a:ext cx="5120636" cy="1424899"/>
           </a:xfrm>
           <a:prstGeom prst="rect">
             <a:avLst/>
@@ -3770,7 +3749,7 @@
         </p:nvSpPr>
         <p:spPr>
           <a:xfrm>
-            <a:off x="12070084" y="11723324"/>
+            <a:off x="12070080" y="11704259"/>
             <a:ext cx="8412480" cy="1424956"/>
           </a:xfrm>
           <a:prstGeom prst="rect">
@@ -3818,7 +3797,44 @@
                 <a:latin typeface="Arial" panose="020B0604020202020204" pitchFamily="34" charset="0"/>
                 <a:cs typeface="Arial" panose="020B0604020202020204" pitchFamily="34" charset="0"/>
               </a:rPr>
-              <a:t>Records excluded by classifier (predicted excludes*) (n = 10,206)</a:t>
+              <a:t>Records excluded by </a:t>
+            </a:r>
+            <a:r>
+              <a:rPr lang="en-US" sz="3600" dirty="0" smtClean="0">
+                <a:solidFill>
+                  <a:schemeClr val="tx1"/>
+                </a:solidFill>
+                <a:latin typeface="Arial" panose="020B0604020202020204" pitchFamily="34" charset="0"/>
+                <a:cs typeface="Arial" panose="020B0604020202020204" pitchFamily="34" charset="0"/>
+              </a:rPr>
+              <a:t>classifier*</a:t>
+            </a:r>
+          </a:p>
+          <a:p>
+            <a:pPr algn="ctr">
+              <a:lnSpc>
+                <a:spcPts val="4000"/>
+              </a:lnSpc>
+            </a:pPr>
+            <a:r>
+              <a:rPr lang="en-US" sz="3600" dirty="0" smtClean="0">
+                <a:solidFill>
+                  <a:schemeClr val="tx1"/>
+                </a:solidFill>
+                <a:latin typeface="Arial" panose="020B0604020202020204" pitchFamily="34" charset="0"/>
+                <a:cs typeface="Arial" panose="020B0604020202020204" pitchFamily="34" charset="0"/>
+              </a:rPr>
+              <a:t>(</a:t>
+            </a:r>
+            <a:r>
+              <a:rPr lang="en-US" sz="3600" dirty="0">
+                <a:solidFill>
+                  <a:schemeClr val="tx1"/>
+                </a:solidFill>
+                <a:latin typeface="Arial" panose="020B0604020202020204" pitchFamily="34" charset="0"/>
+                <a:cs typeface="Arial" panose="020B0604020202020204" pitchFamily="34" charset="0"/>
+              </a:rPr>
+              <a:t>n = 10,206)</a:t>
             </a:r>
           </a:p>
         </p:txBody>
@@ -3831,7 +3847,7 @@
         </p:nvSpPr>
         <p:spPr>
           <a:xfrm>
-            <a:off x="12070084" y="13533096"/>
+            <a:off x="12070084" y="13624551"/>
             <a:ext cx="8412480" cy="1463064"/>
           </a:xfrm>
           <a:prstGeom prst="rect">
@@ -4422,13 +4438,6 @@
               </a:rPr>
               <a:t>Included</a:t>
             </a:r>
-            <a:endParaRPr lang="en-US" sz="3600" b="1" dirty="0">
-              <a:solidFill>
-                <a:schemeClr val="tx1"/>
-              </a:solidFill>
-              <a:latin typeface="Arial" panose="020B0604020202020204" pitchFamily="34" charset="0"/>
-              <a:cs typeface="Arial" panose="020B0604020202020204" pitchFamily="34" charset="0"/>
-            </a:endParaRPr>
           </a:p>
         </p:txBody>
       </p:sp>
@@ -4560,7 +4569,7 @@
         <p:spPr>
           <a:xfrm>
             <a:off x="8412476" y="8412436"/>
-            <a:ext cx="0" cy="3291880"/>
+            <a:ext cx="2" cy="3291880"/>
           </a:xfrm>
           <a:prstGeom prst="straightConnector1">
             <a:avLst/>
@@ -4906,7 +4915,7 @@
         </p:nvCxnSpPr>
         <p:spPr>
           <a:xfrm>
-            <a:off x="10972796" y="14264628"/>
+            <a:off x="10972796" y="14356083"/>
             <a:ext cx="1097284" cy="0"/>
           </a:xfrm>
           <a:prstGeom prst="straightConnector1">
@@ -5022,6 +5031,153 @@
           </a:p>
         </p:txBody>
       </p:sp>
+      <p:sp>
+        <p:nvSpPr>
+          <p:cNvPr id="35" name="Rectangle 34"/>
+          <p:cNvSpPr/>
+          <p:nvPr/>
+        </p:nvSpPr>
+        <p:spPr>
+          <a:xfrm>
+            <a:off x="5852160" y="13624551"/>
+            <a:ext cx="5120636" cy="1463075"/>
+          </a:xfrm>
+          <a:prstGeom prst="rect">
+            <a:avLst/>
+          </a:prstGeom>
+          <a:solidFill>
+            <a:schemeClr val="bg1"/>
+          </a:solidFill>
+          <a:ln w="6350">
+            <a:solidFill>
+              <a:schemeClr val="tx1"/>
+            </a:solidFill>
+          </a:ln>
+        </p:spPr>
+        <p:style>
+          <a:lnRef idx="2">
+            <a:schemeClr val="accent1">
+              <a:shade val="50000"/>
+            </a:schemeClr>
+          </a:lnRef>
+          <a:fillRef idx="1">
+            <a:schemeClr val="accent1"/>
+          </a:fillRef>
+          <a:effectRef idx="0">
+            <a:schemeClr val="accent1"/>
+          </a:effectRef>
+          <a:fontRef idx="minor">
+            <a:schemeClr val="lt1"/>
+          </a:fontRef>
+        </p:style>
+        <p:txBody>
+          <a:bodyPr rtlCol="0" anchor="ctr"/>
+          <a:lstStyle/>
+          <a:p>
+            <a:pPr algn="ctr">
+              <a:lnSpc>
+                <a:spcPts val="4000"/>
+              </a:lnSpc>
+            </a:pPr>
+            <a:r>
+              <a:rPr lang="en-US" sz="3600" dirty="0">
+                <a:solidFill>
+                  <a:schemeClr val="tx1"/>
+                </a:solidFill>
+                <a:latin typeface="Arial" panose="020B0604020202020204" pitchFamily="34" charset="0"/>
+                <a:cs typeface="Arial" panose="020B0604020202020204" pitchFamily="34" charset="0"/>
+              </a:rPr>
+              <a:t>Records included by </a:t>
+            </a:r>
+            <a:r>
+              <a:rPr lang="en-US" sz="3600" dirty="0" smtClean="0">
+                <a:solidFill>
+                  <a:schemeClr val="tx1"/>
+                </a:solidFill>
+                <a:latin typeface="Arial" panose="020B0604020202020204" pitchFamily="34" charset="0"/>
+                <a:cs typeface="Arial" panose="020B0604020202020204" pitchFamily="34" charset="0"/>
+              </a:rPr>
+              <a:t>classifier </a:t>
+            </a:r>
+            <a:r>
+              <a:rPr lang="en-US" sz="3600" dirty="0" smtClean="0">
+                <a:solidFill>
+                  <a:schemeClr val="tx1"/>
+                </a:solidFill>
+                <a:latin typeface="Arial" panose="020B0604020202020204" pitchFamily="34" charset="0"/>
+                <a:cs typeface="Arial" panose="020B0604020202020204" pitchFamily="34" charset="0"/>
+              </a:rPr>
+              <a:t>(n </a:t>
+            </a:r>
+            <a:r>
+              <a:rPr lang="en-US" sz="3600" dirty="0">
+                <a:solidFill>
+                  <a:schemeClr val="tx1"/>
+                </a:solidFill>
+                <a:latin typeface="Arial" panose="020B0604020202020204" pitchFamily="34" charset="0"/>
+                <a:cs typeface="Arial" panose="020B0604020202020204" pitchFamily="34" charset="0"/>
+              </a:rPr>
+              <a:t>= </a:t>
+            </a:r>
+            <a:r>
+              <a:rPr lang="en-US" sz="3600" dirty="0" smtClean="0">
+                <a:solidFill>
+                  <a:schemeClr val="tx1"/>
+                </a:solidFill>
+                <a:latin typeface="Arial" panose="020B0604020202020204" pitchFamily="34" charset="0"/>
+                <a:cs typeface="Arial" panose="020B0604020202020204" pitchFamily="34" charset="0"/>
+              </a:rPr>
+              <a:t>2,287)</a:t>
+            </a:r>
+            <a:endParaRPr lang="en-US" sz="3600" dirty="0">
+              <a:solidFill>
+                <a:schemeClr val="tx1"/>
+              </a:solidFill>
+              <a:latin typeface="Arial" panose="020B0604020202020204" pitchFamily="34" charset="0"/>
+              <a:cs typeface="Arial" panose="020B0604020202020204" pitchFamily="34" charset="0"/>
+            </a:endParaRPr>
+          </a:p>
+        </p:txBody>
+      </p:sp>
+      <p:cxnSp>
+        <p:nvCxnSpPr>
+          <p:cNvPr id="39" name="Straight Arrow Connector 38"/>
+          <p:cNvCxnSpPr>
+            <a:endCxn id="35" idx="0"/>
+          </p:cNvCxnSpPr>
+          <p:nvPr/>
+        </p:nvCxnSpPr>
+        <p:spPr>
+          <a:xfrm>
+            <a:off x="8412472" y="13148276"/>
+            <a:ext cx="6" cy="476275"/>
+          </a:xfrm>
+          <a:prstGeom prst="straightConnector1">
+            <a:avLst/>
+          </a:prstGeom>
+          <a:ln w="28575">
+            <a:solidFill>
+              <a:schemeClr val="tx1"/>
+            </a:solidFill>
+            <a:headEnd type="none" w="med" len="med"/>
+            <a:tailEnd type="triangle" w="lg" len="lg"/>
+          </a:ln>
+        </p:spPr>
+        <p:style>
+          <a:lnRef idx="1">
+            <a:schemeClr val="accent1"/>
+          </a:lnRef>
+          <a:fillRef idx="0">
+            <a:schemeClr val="accent1"/>
+          </a:fillRef>
+          <a:effectRef idx="0">
+            <a:schemeClr val="accent1"/>
+          </a:effectRef>
+          <a:fontRef idx="minor">
+            <a:schemeClr val="tx1"/>
+          </a:fontRef>
+        </p:style>
+      </p:cxnSp>
     </p:spTree>
     <p:extLst>
       <p:ext uri="{BB962C8B-B14F-4D97-AF65-F5344CB8AC3E}">
